--- a/sample_ppt.pptx
+++ b/sample_ppt.pptx
@@ -5077,8 +5077,8 @@
         </p:nvSpPr>
         <p:spPr>
           <a:xfrm rot="0">
-            <a:off x="695037" y="3596290"/>
-            <a:ext cx="7896797" cy="4237394"/>
+            <a:off x="462232" y="1864806"/>
+            <a:ext cx="7896797" cy="7209194"/>
           </a:xfrm>
           <a:prstGeom prst="rect">
             <a:avLst/>
@@ -5178,6 +5178,69 @@
                 <a:sym typeface="Arial Bold"/>
               </a:rPr>
               <a:t>Team Name (Registered on portal)-</a:t>
+            </a:r>
+          </a:p>
+          <a:p>
+            <a:pPr algn="just" marL="590679" indent="-295339" lvl="1">
+              <a:lnSpc>
+                <a:spcPts val="7838"/>
+              </a:lnSpc>
+              <a:buFont typeface="Arial"/>
+              <a:buChar char="•"/>
+            </a:pPr>
+            <a:r>
+              <a:rPr lang="en-US" b="true" sz="3266">
+                <a:solidFill>
+                  <a:srgbClr val="000000"/>
+                </a:solidFill>
+                <a:latin typeface="Arial Bold"/>
+                <a:ea typeface="Arial Bold"/>
+                <a:cs typeface="Arial Bold"/>
+                <a:sym typeface="Arial Bold"/>
+              </a:rPr>
+              <a:t>Team members-</a:t>
+            </a:r>
+          </a:p>
+          <a:p>
+            <a:pPr algn="just" marL="590679" indent="-295339" lvl="1">
+              <a:lnSpc>
+                <a:spcPts val="7838"/>
+              </a:lnSpc>
+              <a:buFont typeface="Arial"/>
+              <a:buChar char="•"/>
+            </a:pPr>
+            <a:r>
+              <a:rPr lang="en-US" b="true" sz="3266">
+                <a:solidFill>
+                  <a:srgbClr val="000000"/>
+                </a:solidFill>
+                <a:latin typeface="Arial Bold"/>
+                <a:ea typeface="Arial Bold"/>
+                <a:cs typeface="Arial Bold"/>
+                <a:sym typeface="Arial Bold"/>
+              </a:rPr>
+              <a:t>Contact Details-</a:t>
+            </a:r>
+          </a:p>
+          <a:p>
+            <a:pPr algn="just" marL="590679" indent="-295339" lvl="1">
+              <a:lnSpc>
+                <a:spcPts val="7838"/>
+              </a:lnSpc>
+              <a:buFont typeface="Arial"/>
+              <a:buChar char="•"/>
+            </a:pPr>
+            <a:r>
+              <a:rPr lang="en-US" b="true" sz="3266">
+                <a:solidFill>
+                  <a:srgbClr val="000000"/>
+                </a:solidFill>
+                <a:latin typeface="Arial Bold"/>
+                <a:ea typeface="Arial Bold"/>
+                <a:cs typeface="Arial Bold"/>
+                <a:sym typeface="Arial Bold"/>
+              </a:rPr>
+              <a:t>Email ID-</a:t>
             </a:r>
           </a:p>
         </p:txBody>
